--- a/training-cards/music moves/Pairing (PAI)/ger/apprentice/ger_PAI_03_Zusammen_planen_MM_A.pptx
+++ b/training-cards/music moves/Pairing (PAI)/ger/apprentice/ger_PAI_03_Zusammen_planen_MM_A.pptx
@@ -105,6 +105,22 @@
       </a:defRPr>
     </a:lvl9pPr>
   </p:defaultTextStyle>
+  <p:extLst>
+    <p:ext uri="{EFAFB233-063F-42B5-8137-9DF3F51BA10A}">
+      <p15:sldGuideLst xmlns:p15="http://schemas.microsoft.com/office/powerpoint/2012/main">
+        <p15:guide id="1" orient="horz" pos="652">
+          <p15:clr>
+            <a:srgbClr val="A4A3A4"/>
+          </p15:clr>
+        </p15:guide>
+        <p15:guide id="2">
+          <p15:clr>
+            <a:srgbClr val="A4A3A4"/>
+          </p15:clr>
+        </p15:guide>
+      </p15:sldGuideLst>
+    </p:ext>
+  </p:extLst>
 </p:presentation>
 </file>
 
@@ -153,10 +169,9 @@
           </a:lstStyle>
           <a:p>
             <a:r>
-              <a:rPr lang="de-DE" dirty="0" smtClean="0"/>
+              <a:rPr lang="de-DE" dirty="0"/>
               <a:t> ZUSAMMEN PLANEN</a:t>
             </a:r>
-            <a:endParaRPr lang="de-DE" dirty="0"/>
           </a:p>
         </p:txBody>
       </p:sp>
@@ -187,35 +202,35 @@
           <a:p>
             <a:pPr lvl="0"/>
             <a:r>
-              <a:rPr lang="de-DE" smtClean="0"/>
+              <a:rPr lang="de-DE"/>
               <a:t>Mastertextformat bearbeiten</a:t>
             </a:r>
           </a:p>
           <a:p>
             <a:pPr lvl="1"/>
             <a:r>
-              <a:rPr lang="de-DE" smtClean="0"/>
+              <a:rPr lang="de-DE"/>
               <a:t>Zweite Ebene</a:t>
             </a:r>
           </a:p>
           <a:p>
             <a:pPr lvl="2"/>
             <a:r>
-              <a:rPr lang="de-DE" smtClean="0"/>
+              <a:rPr lang="de-DE"/>
               <a:t>Dritte Ebene</a:t>
             </a:r>
           </a:p>
           <a:p>
             <a:pPr lvl="3"/>
             <a:r>
-              <a:rPr lang="de-DE" smtClean="0"/>
+              <a:rPr lang="de-DE"/>
               <a:t>Vierte Ebene</a:t>
             </a:r>
           </a:p>
           <a:p>
             <a:pPr lvl="4"/>
             <a:r>
-              <a:rPr lang="de-DE" smtClean="0"/>
+              <a:rPr lang="de-DE"/>
               <a:t>Fünfte Ebene</a:t>
             </a:r>
             <a:endParaRPr lang="de-DE" dirty="0"/>
@@ -262,7 +277,7 @@
               <a:buNone/>
             </a:pPr>
             <a:r>
-              <a:rPr lang="de-DE" smtClean="0"/>
+              <a:rPr lang="de-DE"/>
               <a:t>Master-Untertitelformat bearbeiten</a:t>
             </a:r>
             <a:endParaRPr lang="de-DE" dirty="0"/>
@@ -378,35 +393,35 @@
           <a:p>
             <a:pPr lvl="0"/>
             <a:r>
-              <a:rPr lang="de-DE" smtClean="0"/>
+              <a:rPr lang="de-DE"/>
               <a:t>Mastertextformat bearbeiten</a:t>
             </a:r>
           </a:p>
           <a:p>
             <a:pPr lvl="1"/>
             <a:r>
-              <a:rPr lang="de-DE" smtClean="0"/>
+              <a:rPr lang="de-DE"/>
               <a:t>Zweite Ebene</a:t>
             </a:r>
           </a:p>
           <a:p>
             <a:pPr lvl="2"/>
             <a:r>
-              <a:rPr lang="de-DE" smtClean="0"/>
+              <a:rPr lang="de-DE"/>
               <a:t>Dritte Ebene</a:t>
             </a:r>
           </a:p>
           <a:p>
             <a:pPr lvl="3"/>
             <a:r>
-              <a:rPr lang="de-DE" smtClean="0"/>
+              <a:rPr lang="de-DE"/>
               <a:t>Vierte Ebene</a:t>
             </a:r>
           </a:p>
           <a:p>
             <a:pPr lvl="4"/>
             <a:r>
-              <a:rPr lang="de-DE" smtClean="0"/>
+              <a:rPr lang="de-DE"/>
               <a:t>Fünfte Ebene</a:t>
             </a:r>
             <a:endParaRPr lang="de-DE" dirty="0"/>
@@ -436,7 +451,7 @@
           <a:lstStyle/>
           <a:p>
             <a:r>
-              <a:rPr lang="de-DE" sz="2400" dirty="0" smtClean="0">
+              <a:rPr lang="de-DE" sz="2400" dirty="0">
                 <a:solidFill>
                   <a:srgbClr val="7E006B"/>
                 </a:solidFill>
@@ -446,7 +461,7 @@
               <a:t>TR	AININGS</a:t>
             </a:r>
             <a:r>
-              <a:rPr lang="de-DE" sz="2400" dirty="0" smtClean="0">
+              <a:rPr lang="de-DE" sz="2400" dirty="0">
                 <a:solidFill>
                   <a:srgbClr val="7E006B"/>
                 </a:solidFill>
@@ -497,14 +512,20 @@
       </p:pic>
       <p:sp>
         <p:nvSpPr>
-          <p:cNvPr id="5" name="Shape 7"/>
+          <p:cNvPr id="4" name="Shape 7">
+            <a:extLst>
+              <a:ext uri="{FF2B5EF4-FFF2-40B4-BE49-F238E27FC236}">
+                <a16:creationId xmlns:a16="http://schemas.microsoft.com/office/drawing/2014/main" id="{DC2336A5-825B-37CB-6B36-4D484BF7F3C8}"/>
+              </a:ext>
+            </a:extLst>
+          </p:cNvPr>
           <p:cNvSpPr/>
           <p:nvPr userDrawn="1"/>
         </p:nvSpPr>
         <p:spPr>
           <a:xfrm>
-            <a:off x="1683417" y="4952581"/>
-            <a:ext cx="4196016" cy="276995"/>
+            <a:off x="971550" y="4689585"/>
+            <a:ext cx="4691860" cy="461661"/>
           </a:xfrm>
           <a:prstGeom prst="rect">
             <a:avLst/>
@@ -514,12 +535,12 @@
           </a:ln>
           <a:extLst>
             <a:ext uri="{C572A759-6A51-4108-AA02-DFA0A04FC94B}">
-              <ma14:wrappingTextBoxFlag xmlns:ma14="http://schemas.microsoft.com/office/mac/drawingml/2011/main" val="1"/>
+              <ma14:wrappingTextBoxFlag xmlns="" xmlns:ma14="http://schemas.microsoft.com/office/mac/drawingml/2011/main" val="1"/>
             </a:ext>
           </a:extLst>
         </p:spPr>
         <p:txBody>
-          <a:bodyPr wrap="none" lIns="45718" tIns="45718" rIns="45718" bIns="45718">
+          <a:bodyPr wrap="square" lIns="45718" tIns="45718" rIns="45718" bIns="45718">
             <a:spAutoFit/>
           </a:bodyPr>
           <a:lstStyle/>
@@ -528,49 +549,266 @@
               <a:defRPr sz="1800"/>
             </a:pPr>
             <a:r>
-              <a:rPr sz="600" dirty="0">
-                <a:latin typeface="Avenir Light"/>
+              <a:rPr lang="de-DE" sz="800" b="0" i="0" u="none" strike="noStrike" dirty="0" err="1">
+                <a:solidFill>
+                  <a:schemeClr val="tx1">
+                    <a:lumMod val="65000"/>
+                    <a:lumOff val="35000"/>
+                  </a:schemeClr>
+                </a:solidFill>
+                <a:effectLst/>
+                <a:latin typeface="Avenir Book" panose="02000503020000020003" pitchFamily="2" charset="0"/>
+              </a:rPr>
+              <a:t>music</a:t>
+            </a:r>
+            <a:r>
+              <a:rPr lang="de-DE" sz="800" b="0" i="0" u="none" strike="noStrike" dirty="0">
+                <a:solidFill>
+                  <a:schemeClr val="tx1">
+                    <a:lumMod val="65000"/>
+                    <a:lumOff val="35000"/>
+                  </a:schemeClr>
+                </a:solidFill>
+                <a:effectLst/>
+                <a:latin typeface="Avenir Book" panose="02000503020000020003" pitchFamily="2" charset="0"/>
+              </a:rPr>
+              <a:t> </a:t>
+            </a:r>
+            <a:r>
+              <a:rPr lang="de-DE" sz="800" b="0" i="0" u="none" strike="noStrike" dirty="0" err="1">
+                <a:solidFill>
+                  <a:schemeClr val="tx1">
+                    <a:lumMod val="65000"/>
+                    <a:lumOff val="35000"/>
+                  </a:schemeClr>
+                </a:solidFill>
+                <a:effectLst/>
+                <a:latin typeface="Avenir Book" panose="02000503020000020003" pitchFamily="2" charset="0"/>
+              </a:rPr>
+              <a:t>moves</a:t>
+            </a:r>
+            <a:r>
+              <a:rPr lang="de-DE" sz="800" b="0" i="0" u="none" strike="noStrike" dirty="0">
+                <a:solidFill>
+                  <a:schemeClr val="tx1">
+                    <a:lumMod val="65000"/>
+                    <a:lumOff val="35000"/>
+                  </a:schemeClr>
+                </a:solidFill>
+                <a:effectLst/>
+                <a:latin typeface="Avenir Book" panose="02000503020000020003" pitchFamily="2" charset="0"/>
+              </a:rPr>
+              <a:t>-Trainingskarten von Regina Brandhuber sind lizenziert unter einer Creative Commons </a:t>
+            </a:r>
+          </a:p>
+          <a:p>
+            <a:pPr lvl="0" algn="ctr">
+              <a:defRPr sz="1800"/>
+            </a:pPr>
+            <a:r>
+              <a:rPr lang="de-DE" sz="800" b="0" i="0" u="none" strike="noStrike" dirty="0">
+                <a:solidFill>
+                  <a:schemeClr val="tx1">
+                    <a:lumMod val="65000"/>
+                    <a:lumOff val="35000"/>
+                  </a:schemeClr>
+                </a:solidFill>
+                <a:effectLst/>
+                <a:latin typeface="Avenir Book" panose="02000503020000020003" pitchFamily="2" charset="0"/>
+              </a:rPr>
+              <a:t>Namensnennung-Nicht kommerziell 4.0 International Lizenz.</a:t>
+            </a:r>
+          </a:p>
+          <a:p>
+            <a:pPr lvl="0" algn="ctr">
+              <a:defRPr sz="1800"/>
+            </a:pPr>
+            <a:r>
+              <a:rPr lang="de-DE" sz="800" dirty="0">
+                <a:solidFill>
+                  <a:schemeClr val="tx1">
+                    <a:lumMod val="65000"/>
+                    <a:lumOff val="35000"/>
+                  </a:schemeClr>
+                </a:solidFill>
+                <a:latin typeface="Avenir Book" panose="02000503020000020003" pitchFamily="2" charset="0"/>
                 <a:ea typeface="Calibri"/>
                 <a:cs typeface="Avenir Light"/>
                 <a:sym typeface="Calibri"/>
               </a:rPr>
-              <a:t>This work is licensed under the Creative Commons Attribution-NonCommercial-NoDerivatives 4.0 International License. </a:t>
-            </a:r>
-          </a:p>
-          <a:p>
-            <a:pPr lvl="0" algn="ctr">
-              <a:defRPr sz="1800"/>
-            </a:pPr>
-            <a:r>
-              <a:rPr sz="600" dirty="0">
-                <a:latin typeface="Avenir Light"/>
+              <a:t>Nachzulesen unter:</a:t>
+            </a:r>
+            <a:r>
+              <a:rPr sz="800" dirty="0">
+                <a:solidFill>
+                  <a:schemeClr val="tx1">
+                    <a:lumMod val="65000"/>
+                    <a:lumOff val="35000"/>
+                  </a:schemeClr>
+                </a:solidFill>
+                <a:latin typeface="Avenir Book" panose="02000503020000020003" pitchFamily="2" charset="0"/>
                 <a:ea typeface="Calibri"/>
                 <a:cs typeface="Avenir Light"/>
                 <a:sym typeface="Calibri"/>
               </a:rPr>
-              <a:t>To view a copy of this license, visit http://creativecommons.org/licenses/by-nc-nd/4.0/.</a:t>
-            </a:r>
+              <a:t> </a:t>
+            </a:r>
+            <a:r>
+              <a:rPr lang="de-DE" sz="800" dirty="0">
+                <a:solidFill>
+                  <a:schemeClr val="tx1">
+                    <a:lumMod val="65000"/>
+                    <a:lumOff val="35000"/>
+                  </a:schemeClr>
+                </a:solidFill>
+                <a:latin typeface="Avenir Book" panose="02000503020000020003" pitchFamily="2" charset="0"/>
+                <a:ea typeface="Calibri"/>
+                <a:cs typeface="Avenir Light"/>
+                <a:sym typeface="Calibri"/>
+              </a:rPr>
+              <a:t>https://</a:t>
+            </a:r>
+            <a:r>
+              <a:rPr lang="de-DE" sz="800" dirty="0" err="1">
+                <a:solidFill>
+                  <a:schemeClr val="tx1">
+                    <a:lumMod val="65000"/>
+                    <a:lumOff val="35000"/>
+                  </a:schemeClr>
+                </a:solidFill>
+                <a:latin typeface="Avenir Book" panose="02000503020000020003" pitchFamily="2" charset="0"/>
+                <a:ea typeface="Calibri"/>
+                <a:cs typeface="Avenir Light"/>
+                <a:sym typeface="Calibri"/>
+              </a:rPr>
+              <a:t>creativecommons.org</a:t>
+            </a:r>
+            <a:r>
+              <a:rPr lang="de-DE" sz="800" dirty="0">
+                <a:solidFill>
+                  <a:schemeClr val="tx1">
+                    <a:lumMod val="65000"/>
+                    <a:lumOff val="35000"/>
+                  </a:schemeClr>
+                </a:solidFill>
+                <a:latin typeface="Avenir Book" panose="02000503020000020003" pitchFamily="2" charset="0"/>
+                <a:ea typeface="Calibri"/>
+                <a:cs typeface="Avenir Light"/>
+                <a:sym typeface="Calibri"/>
+              </a:rPr>
+              <a:t>/</a:t>
+            </a:r>
+            <a:r>
+              <a:rPr lang="de-DE" sz="800" dirty="0" err="1">
+                <a:solidFill>
+                  <a:schemeClr val="tx1">
+                    <a:lumMod val="65000"/>
+                    <a:lumOff val="35000"/>
+                  </a:schemeClr>
+                </a:solidFill>
+                <a:latin typeface="Avenir Book" panose="02000503020000020003" pitchFamily="2" charset="0"/>
+                <a:ea typeface="Calibri"/>
+                <a:cs typeface="Avenir Light"/>
+                <a:sym typeface="Calibri"/>
+              </a:rPr>
+              <a:t>licenses</a:t>
+            </a:r>
+            <a:r>
+              <a:rPr lang="de-DE" sz="800" dirty="0">
+                <a:solidFill>
+                  <a:schemeClr val="tx1">
+                    <a:lumMod val="65000"/>
+                    <a:lumOff val="35000"/>
+                  </a:schemeClr>
+                </a:solidFill>
+                <a:latin typeface="Avenir Book" panose="02000503020000020003" pitchFamily="2" charset="0"/>
+                <a:ea typeface="Calibri"/>
+                <a:cs typeface="Avenir Light"/>
+                <a:sym typeface="Calibri"/>
+              </a:rPr>
+              <a:t>/</a:t>
+            </a:r>
+            <a:r>
+              <a:rPr lang="de-DE" sz="800" dirty="0" err="1">
+                <a:solidFill>
+                  <a:schemeClr val="tx1">
+                    <a:lumMod val="65000"/>
+                    <a:lumOff val="35000"/>
+                  </a:schemeClr>
+                </a:solidFill>
+                <a:latin typeface="Avenir Book" panose="02000503020000020003" pitchFamily="2" charset="0"/>
+                <a:ea typeface="Calibri"/>
+                <a:cs typeface="Avenir Light"/>
+                <a:sym typeface="Calibri"/>
+              </a:rPr>
+              <a:t>by-nc</a:t>
+            </a:r>
+            <a:r>
+              <a:rPr lang="de-DE" sz="800" dirty="0">
+                <a:solidFill>
+                  <a:schemeClr val="tx1">
+                    <a:lumMod val="65000"/>
+                    <a:lumOff val="35000"/>
+                  </a:schemeClr>
+                </a:solidFill>
+                <a:latin typeface="Avenir Book" panose="02000503020000020003" pitchFamily="2" charset="0"/>
+                <a:ea typeface="Calibri"/>
+                <a:cs typeface="Avenir Light"/>
+                <a:sym typeface="Calibri"/>
+              </a:rPr>
+              <a:t>/4.0/</a:t>
+            </a:r>
+            <a:r>
+              <a:rPr lang="de-DE" sz="800" dirty="0" err="1">
+                <a:solidFill>
+                  <a:schemeClr val="tx1">
+                    <a:lumMod val="65000"/>
+                    <a:lumOff val="35000"/>
+                  </a:schemeClr>
+                </a:solidFill>
+                <a:latin typeface="Avenir Book" panose="02000503020000020003" pitchFamily="2" charset="0"/>
+                <a:ea typeface="Calibri"/>
+                <a:cs typeface="Avenir Light"/>
+                <a:sym typeface="Calibri"/>
+              </a:rPr>
+              <a:t>deed.de</a:t>
+            </a:r>
+            <a:endParaRPr sz="800" dirty="0">
+              <a:solidFill>
+                <a:schemeClr val="tx1">
+                  <a:lumMod val="65000"/>
+                  <a:lumOff val="35000"/>
+                </a:schemeClr>
+              </a:solidFill>
+              <a:latin typeface="Avenir Book" panose="02000503020000020003" pitchFamily="2" charset="0"/>
+              <a:ea typeface="Calibri"/>
+              <a:cs typeface="Avenir Light"/>
+              <a:sym typeface="Calibri"/>
+            </a:endParaRPr>
           </a:p>
         </p:txBody>
       </p:sp>
       <p:pic>
         <p:nvPicPr>
-          <p:cNvPr id="6" name="pasted-image.tif"/>
+          <p:cNvPr id="8" name="pasted-image.tif">
+            <a:extLst>
+              <a:ext uri="{FF2B5EF4-FFF2-40B4-BE49-F238E27FC236}">
+                <a16:creationId xmlns:a16="http://schemas.microsoft.com/office/drawing/2014/main" id="{88B15D79-5739-B328-8D4A-D13924A758C4}"/>
+              </a:ext>
+            </a:extLst>
+          </p:cNvPr>
           <p:cNvPicPr/>
           <p:nvPr userDrawn="1"/>
         </p:nvPicPr>
-        <p:blipFill>
-          <a:blip r:embed="rId4">
-            <a:extLst/>
-          </a:blip>
-          <a:stretch>
-            <a:fillRect/>
-          </a:stretch>
+        <p:blipFill rotWithShape="1">
+          <a:blip r:embed="rId4"/>
+          <a:srcRect r="24777" b="-3233"/>
+          <a:stretch/>
         </p:blipFill>
         <p:spPr>
           <a:xfrm>
-            <a:off x="6174185" y="4992838"/>
-            <a:ext cx="886619" cy="214128"/>
+            <a:off x="5724347" y="4733926"/>
+            <a:ext cx="1009828" cy="333374"/>
           </a:xfrm>
           <a:prstGeom prst="rect">
             <a:avLst/>
@@ -580,58 +818,6 @@
           </a:ln>
         </p:spPr>
       </p:pic>
-      <p:sp>
-        <p:nvSpPr>
-          <p:cNvPr id="7" name="Textfeld 6"/>
-          <p:cNvSpPr txBox="1"/>
-          <p:nvPr userDrawn="1"/>
-        </p:nvSpPr>
-        <p:spPr>
-          <a:xfrm>
-            <a:off x="239285" y="4936890"/>
-            <a:ext cx="1044856" cy="276999"/>
-          </a:xfrm>
-          <a:prstGeom prst="rect">
-            <a:avLst/>
-          </a:prstGeom>
-          <a:noFill/>
-        </p:spPr>
-        <p:txBody>
-          <a:bodyPr wrap="square" rtlCol="0">
-            <a:spAutoFit/>
-          </a:bodyPr>
-          <a:lstStyle/>
-          <a:p>
-            <a:r>
-              <a:rPr lang="de-DE" sz="600" dirty="0">
-                <a:solidFill>
-                  <a:srgbClr val="5D5E5F"/>
-                </a:solidFill>
-                <a:latin typeface="Avenir Light"/>
-                <a:cs typeface="Avenir Light"/>
-              </a:rPr>
-              <a:t>Letzte Änderung: </a:t>
-            </a:r>
-            <a:fld id="{7A8C7DAC-E536-564C-B5B3-90E8FAB50562}" type="datetime1">
-              <a:rPr lang="de-DE" sz="600" smtClean="0">
-                <a:solidFill>
-                  <a:srgbClr val="5D5E5F"/>
-                </a:solidFill>
-                <a:latin typeface="Avenir Light"/>
-                <a:cs typeface="Avenir Light"/>
-              </a:rPr>
-              <a:t>08.11.15</a:t>
-            </a:fld>
-            <a:endParaRPr lang="de-DE" sz="600" dirty="0">
-              <a:solidFill>
-                <a:srgbClr val="5D5E5F"/>
-              </a:solidFill>
-              <a:latin typeface="Avenir Light"/>
-              <a:cs typeface="Avenir Light"/>
-            </a:endParaRPr>
-          </a:p>
-        </p:txBody>
-      </p:sp>
     </p:spTree>
     <p:extLst>
       <p:ext uri="{BB962C8B-B14F-4D97-AF65-F5344CB8AC3E}">
@@ -678,10 +864,9 @@
           <a:lstStyle/>
           <a:p>
             <a:r>
-              <a:rPr lang="de-DE" smtClean="0"/>
+              <a:rPr lang="de-DE"/>
               <a:t>Mastertitelformat bearbeiten</a:t>
             </a:r>
-            <a:endParaRPr lang="de-DE"/>
           </a:p>
         </p:txBody>
       </p:sp>
@@ -702,7 +887,7 @@
           <a:p>
             <a:fld id="{FF5B2BAF-DF38-0A48-A798-0C06E514FD52}" type="datetimeFigureOut">
               <a:rPr lang="de-DE" smtClean="0"/>
-              <a:t>08.11.15</a:t>
+              <a:t>27.07.23</a:t>
             </a:fld>
             <a:endParaRPr lang="de-DE" dirty="0"/>
           </a:p>
@@ -813,17 +998,16 @@
           <a:p>
             <a:pPr marL="0" lvl="0" algn="l"/>
             <a:r>
-              <a:rPr lang="de-DE" dirty="0" smtClean="0"/>
+              <a:rPr lang="de-DE" dirty="0"/>
               <a:t>Überschrift </a:t>
             </a:r>
             <a:br>
-              <a:rPr lang="de-DE" dirty="0" smtClean="0"/>
+              <a:rPr lang="de-DE" dirty="0"/>
             </a:br>
             <a:r>
-              <a:rPr lang="de-DE" dirty="0" smtClean="0"/>
+              <a:rPr lang="de-DE" dirty="0"/>
               <a:t>bearbeiten </a:t>
             </a:r>
-            <a:endParaRPr lang="de-DE" dirty="0"/>
           </a:p>
         </p:txBody>
       </p:sp>
@@ -854,38 +1038,37 @@
           <a:p>
             <a:pPr lvl="0"/>
             <a:r>
-              <a:rPr lang="de-DE" dirty="0" smtClean="0"/>
+              <a:rPr lang="de-DE" dirty="0"/>
               <a:t>Mastertextformat bearbeiten</a:t>
             </a:r>
           </a:p>
           <a:p>
             <a:pPr lvl="1"/>
             <a:r>
-              <a:rPr lang="de-DE" dirty="0" smtClean="0"/>
+              <a:rPr lang="de-DE" dirty="0"/>
               <a:t>Zweite Ebene</a:t>
             </a:r>
           </a:p>
           <a:p>
             <a:pPr lvl="2"/>
             <a:r>
-              <a:rPr lang="de-DE" dirty="0" smtClean="0"/>
+              <a:rPr lang="de-DE" dirty="0"/>
               <a:t>Dritte Ebene</a:t>
             </a:r>
           </a:p>
           <a:p>
             <a:pPr lvl="3"/>
             <a:r>
-              <a:rPr lang="de-DE" dirty="0" smtClean="0"/>
+              <a:rPr lang="de-DE" dirty="0"/>
               <a:t>Vierte Ebene</a:t>
             </a:r>
           </a:p>
           <a:p>
             <a:pPr lvl="4"/>
             <a:r>
-              <a:rPr lang="de-DE" dirty="0" smtClean="0"/>
+              <a:rPr lang="de-DE" dirty="0"/>
               <a:t>Fünfte Ebene</a:t>
             </a:r>
-            <a:endParaRPr lang="de-DE" dirty="0"/>
           </a:p>
         </p:txBody>
       </p:sp>
@@ -924,7 +1107,7 @@
           <a:p>
             <a:fld id="{FF5B2BAF-DF38-0A48-A798-0C06E514FD52}" type="datetimeFigureOut">
               <a:rPr lang="de-DE" smtClean="0"/>
-              <a:t>08.11.15</a:t>
+              <a:t>27.07.23</a:t>
             </a:fld>
             <a:endParaRPr lang="de-DE" dirty="0"/>
           </a:p>
@@ -1158,7 +1341,7 @@
           <a:lstStyle/>
           <a:p>
             <a:r>
-              <a:rPr lang="de-DE" sz="1050" b="1" dirty="0" smtClean="0">
+              <a:rPr lang="de-DE" sz="1050" b="1" dirty="0">
                 <a:solidFill>
                   <a:schemeClr val="bg1"/>
                 </a:solidFill>
@@ -1168,7 +1351,7 @@
               <a:t>TRAININGSKARTE</a:t>
             </a:r>
             <a:r>
-              <a:rPr lang="de-DE" sz="1050" dirty="0" smtClean="0">
+              <a:rPr lang="de-DE" sz="1050" dirty="0">
                 <a:solidFill>
                   <a:schemeClr val="bg1"/>
                 </a:solidFill>
@@ -1178,32 +1361,15 @@
               <a:t> </a:t>
             </a:r>
             <a:r>
-              <a:rPr lang="de-DE" sz="1050" b="1" dirty="0" smtClean="0">
+              <a:rPr lang="de-DE" sz="1050" b="1" dirty="0">
                 <a:solidFill>
                   <a:schemeClr val="bg1"/>
                 </a:solidFill>
                 <a:latin typeface="Avenir Heavy"/>
                 <a:cs typeface="Avenir Heavy"/>
               </a:rPr>
-              <a:t>PAI </a:t>
-            </a:r>
-            <a:r>
-              <a:rPr lang="de-DE" sz="1050" b="1" dirty="0" smtClean="0">
-                <a:solidFill>
-                  <a:schemeClr val="bg1"/>
-                </a:solidFill>
-                <a:latin typeface="Avenir Heavy"/>
-                <a:cs typeface="Avenir Heavy"/>
-              </a:rPr>
-              <a:t>03</a:t>
-            </a:r>
-            <a:endParaRPr lang="de-DE" sz="1050" b="1" dirty="0">
-              <a:solidFill>
-                <a:schemeClr val="bg1"/>
-              </a:solidFill>
-              <a:latin typeface="Avenir Heavy"/>
-              <a:cs typeface="Avenir Heavy"/>
-            </a:endParaRPr>
+              <a:t>PAI 03</a:t>
+            </a:r>
           </a:p>
         </p:txBody>
       </p:sp>
@@ -1586,17 +1752,16 @@
           <a:lstStyle/>
           <a:p>
             <a:r>
-              <a:rPr lang="de-DE" dirty="0" smtClean="0">
+              <a:rPr lang="de-DE" dirty="0">
                 <a:latin typeface="Avenir Heavy"/>
                 <a:cs typeface="Avenir Heavy"/>
               </a:rPr>
               <a:t>ZUSAMMEN</a:t>
             </a:r>
             <a:r>
-              <a:rPr lang="de-DE" dirty="0" smtClean="0"/>
+              <a:rPr lang="de-DE" dirty="0"/>
               <a:t> PLANEN</a:t>
             </a:r>
-            <a:endParaRPr lang="de-DE" dirty="0"/>
           </a:p>
         </p:txBody>
       </p:sp>
@@ -1618,12 +1783,8 @@
           <a:lstStyle/>
           <a:p>
             <a:r>
-              <a:rPr lang="de-DE" sz="1200" dirty="0" smtClean="0"/>
-              <a:t>Wenn </a:t>
-            </a:r>
-            <a:r>
               <a:rPr lang="de-DE" sz="1200" dirty="0"/>
-              <a:t>Du mit Deinem Partner bereits ein wenig Erfahrung im Pair </a:t>
+              <a:t>Wenn Du mit Deinem Partner bereits ein wenig Erfahrung im Pair </a:t>
             </a:r>
             <a:r>
               <a:rPr lang="de-DE" sz="1200" dirty="0" err="1"/>
@@ -1689,7 +1850,6 @@
               <a:rPr lang="de-DE" sz="1200" dirty="0"/>
               <a:t> hilft euch, die abgesprochene Zeiteinheit nicht zu überschreiten.</a:t>
             </a:r>
-            <a:endParaRPr lang="de-DE" sz="1200" dirty="0"/>
           </a:p>
         </p:txBody>
       </p:sp>
@@ -1712,10 +1872,9 @@
               <a:buNone/>
             </a:pPr>
             <a:r>
-              <a:rPr lang="de-DE" dirty="0" smtClean="0"/>
+              <a:rPr lang="de-DE" dirty="0"/>
               <a:t>Regina Brandhuber</a:t>
             </a:r>
-            <a:endParaRPr lang="de-DE" dirty="0"/>
           </a:p>
         </p:txBody>
       </p:sp>
@@ -1824,15 +1983,11 @@
               <a:rPr lang="de-DE"/>
               <a:t>sondern </a:t>
             </a:r>
-            <a:r>
-              <a:rPr lang="de-DE" smtClean="0"/>
-              <a:t/>
-            </a:r>
             <a:br>
-              <a:rPr lang="de-DE" smtClean="0"/>
+              <a:rPr lang="de-DE"/>
             </a:br>
             <a:r>
-              <a:rPr lang="de-DE" smtClean="0"/>
+              <a:rPr lang="de-DE"/>
               <a:t>müssen </a:t>
             </a:r>
             <a:r>
@@ -1847,7 +2002,6 @@
               <a:rPr lang="de-DE" dirty="0"/>
               <a:t> zertifiziert werden.</a:t>
             </a:r>
-            <a:endParaRPr lang="de-DE" dirty="0"/>
           </a:p>
         </p:txBody>
       </p:sp>

--- a/training-cards/music moves/Pairing (PAI)/ger/apprentice/ger_PAI_03_Zusammen_planen_MM_A.pptx
+++ b/training-cards/music moves/Pairing (PAI)/ger/apprentice/ger_PAI_03_Zusammen_planen_MM_A.pptx
@@ -535,7 +535,7 @@
           </a:ln>
           <a:extLst>
             <a:ext uri="{C572A759-6A51-4108-AA02-DFA0A04FC94B}">
-              <ma14:wrappingTextBoxFlag xmlns="" xmlns:ma14="http://schemas.microsoft.com/office/mac/drawingml/2011/main" val="1"/>
+              <ma14:wrappingTextBoxFlag xmlns:ma14="http://schemas.microsoft.com/office/mac/drawingml/2011/main" xmlns="" val="1"/>
             </a:ext>
           </a:extLst>
         </p:spPr>
@@ -887,7 +887,7 @@
           <a:p>
             <a:fld id="{FF5B2BAF-DF38-0A48-A798-0C06E514FD52}" type="datetimeFigureOut">
               <a:rPr lang="de-DE" smtClean="0"/>
-              <a:t>27.07.23</a:t>
+              <a:t>28.10.25</a:t>
             </a:fld>
             <a:endParaRPr lang="de-DE" dirty="0"/>
           </a:p>
@@ -1107,7 +1107,7 @@
           <a:p>
             <a:fld id="{FF5B2BAF-DF38-0A48-A798-0C06E514FD52}" type="datetimeFigureOut">
               <a:rPr lang="de-DE" smtClean="0"/>
-              <a:t>27.07.23</a:t>
+              <a:t>28.10.25</a:t>
             </a:fld>
             <a:endParaRPr lang="de-DE" dirty="0"/>
           </a:p>
@@ -1782,6 +1782,7 @@
           </a:bodyPr>
           <a:lstStyle/>
           <a:p>
+            <a:pPr algn="just"/>
             <a:r>
               <a:rPr lang="de-DE" sz="1200" dirty="0"/>
               <a:t>Wenn Du mit Deinem Partner bereits ein wenig Erfahrung im Pair </a:t>
@@ -1804,6 +1805,7 @@
             </a:r>
           </a:p>
           <a:p>
+            <a:pPr algn="just"/>
             <a:r>
               <a:rPr lang="de-DE" sz="1200" dirty="0"/>
               <a:t>Sowohl Navigator als auch Pilot übernehmen Verantwortung für das Musikstück, das der Pilot üben will. Zusammen wird vor Beginn des Übens die gemeinsame </a:t>
@@ -1826,18 +1828,21 @@
             </a:r>
           </a:p>
           <a:p>
+            <a:pPr algn="just"/>
             <a:r>
               <a:rPr lang="de-DE" sz="1200" dirty="0"/>
               <a:t>Legt dazu vorher eine bestimmte Zeitspanne fest, sodass ihr planen könnt, was der Pilot in dieser Zeit schaffen kann. Nehmt die ersten Bedenken, ob etwas in der vereinbarten Zeit machbar ist, als Zeichen dafür, dass es vermutlich nicht mehr machbar ist und hört auf noch mehr in diese Zeit hineinzupacken. </a:t>
             </a:r>
           </a:p>
           <a:p>
+            <a:pPr algn="just"/>
             <a:r>
               <a:rPr lang="de-DE" sz="1200" dirty="0"/>
               <a:t>Sobald der Plan steht, hat der Pilot die Aufgabe sich beim Üben an diesen Plan zu halten. Der Navigator hat den Plan vor sich und liest immer ab, was als nächstes ansteht. Zusätzlich notiert er, was er beobachtet.</a:t>
             </a:r>
           </a:p>
           <a:p>
+            <a:pPr algn="just"/>
             <a:r>
               <a:rPr lang="de-DE" sz="1200" dirty="0"/>
               <a:t>Ein </a:t>
@@ -1923,12 +1928,14 @@
           <a:bodyPr/>
           <a:lstStyle/>
           <a:p>
+            <a:pPr algn="just"/>
             <a:r>
               <a:rPr lang="de-DE" dirty="0"/>
               <a:t>Trefft euch in 2 Wochen 4 mal, um zu zweit zu üben.</a:t>
             </a:r>
           </a:p>
           <a:p>
+            <a:pPr algn="just"/>
             <a:r>
               <a:rPr lang="de-DE" dirty="0"/>
               <a:t>Setzt eine Zeitspanne von mindestens 25 Minuten oder länger pro </a:t>
@@ -1943,18 +1950,21 @@
             </a:r>
           </a:p>
           <a:p>
+            <a:pPr algn="just"/>
             <a:r>
               <a:rPr lang="de-DE" dirty="0"/>
               <a:t>Pilot und Navigator planen vor dem Üben gemeinsam, was geübt werden soll. Der Plan wird aufgeschrieben.</a:t>
             </a:r>
           </a:p>
           <a:p>
+            <a:pPr algn="just"/>
             <a:r>
               <a:rPr lang="de-DE" dirty="0"/>
               <a:t>Der Navigator liest den Plan während dem Üben Stück für Stück vor und schreibt auf, was er beobachtet. </a:t>
             </a:r>
           </a:p>
           <a:p>
+            <a:pPr algn="just"/>
             <a:r>
               <a:rPr lang="de-DE" dirty="0"/>
               <a:t>Wechselt die Rollen, sodass innerhalb der 2 Wochen im gleichen Pärchen jeder zweimal Pilot und Navigator war.</a:t>
@@ -1977,30 +1987,14 @@
           <a:p>
             <a:r>
               <a:rPr lang="de-DE" dirty="0"/>
-              <a:t>Pilot und Navigator können sich nicht gegenseitig zertifizieren, </a:t>
-            </a:r>
-            <a:r>
-              <a:rPr lang="de-DE"/>
-              <a:t>sondern </a:t>
+              <a:t>Pilot und Navigator können sich nicht gegenseitig zertifizieren, sondern </a:t>
             </a:r>
             <a:br>
-              <a:rPr lang="de-DE"/>
+              <a:rPr lang="de-DE" dirty="0"/>
             </a:br>
             <a:r>
-              <a:rPr lang="de-DE"/>
-              <a:t>müssen </a:t>
-            </a:r>
-            <a:r>
               <a:rPr lang="de-DE" dirty="0"/>
-              <a:t>von 2 zusätzlichen </a:t>
-            </a:r>
-            <a:r>
-              <a:rPr lang="de-DE" dirty="0" err="1"/>
-              <a:t>Reviewern</a:t>
-            </a:r>
-            <a:r>
-              <a:rPr lang="de-DE" dirty="0"/>
-              <a:t> zertifiziert werden.</a:t>
+              <a:t>müssen von 2 zusätzlichen Reviewern zertifiziert werden.</a:t>
             </a:r>
           </a:p>
         </p:txBody>
